--- a/Revu-Retro/Sprint5.pptx
+++ b/Revu-Retro/Sprint5.pptx
@@ -3734,7 +3734,7 @@
         <p:spPr>
           <a:xfrm>
             <a:off x="838080" y="365040"/>
-            <a:ext cx="10514880" cy="1324800"/>
+            <a:ext cx="3841920" cy="1324800"/>
           </a:xfrm>
           <a:prstGeom prst="rect">
             <a:avLst/>
